--- a/PalMod2022/docs/ppt/1_Introduction.pptx
+++ b/PalMod2022/docs/ppt/1_Introduction.pptx
@@ -221,7 +221,7 @@
           <a:p>
             <a:fld id="{02CB4464-5F5F-47B8-B7F2-1EE11117D9EA}" type="datetimeFigureOut">
               <a:rPr lang="tr-TR" smtClean="0"/>
-              <a:t>19.04.2022</a:t>
+              <a:t>20.04.2022</a:t>
             </a:fld>
             <a:endParaRPr lang="tr-TR"/>
           </a:p>
@@ -534,7 +534,7 @@
           <a:lstStyle/>
           <a:p>
             <a:r>
-              <a:rPr lang="tr-TR" smtClean="0"/>
+              <a:rPr lang="tr-TR"/>
               <a:t>Miguel</a:t>
             </a:r>
             <a:endParaRPr lang="tr-TR" dirty="0"/>
@@ -1927,10 +1927,9 @@
           <a:lstStyle/>
           <a:p>
             <a:r>
-              <a:rPr lang="tr-TR" smtClean="0"/>
+              <a:rPr lang="tr-TR"/>
               <a:t>Miguel</a:t>
             </a:r>
-            <a:endParaRPr lang="tr-TR"/>
           </a:p>
         </p:txBody>
       </p:sp>
@@ -2015,10 +2014,9 @@
           <a:lstStyle/>
           <a:p>
             <a:r>
-              <a:rPr lang="tr-TR" smtClean="0"/>
+              <a:rPr lang="tr-TR"/>
               <a:t>Deniz</a:t>
             </a:r>
-            <a:endParaRPr lang="tr-TR"/>
           </a:p>
         </p:txBody>
       </p:sp>
@@ -2451,7 +2449,7 @@
           <a:p>
             <a:fld id="{DB720DD0-9731-490B-AEA5-D3F8435D6B2A}" type="datetime1">
               <a:rPr lang="tr-TR" smtClean="0"/>
-              <a:t>19.04.2022</a:t>
+              <a:t>20.04.2022</a:t>
             </a:fld>
             <a:endParaRPr lang="tr-TR"/>
           </a:p>
@@ -2621,7 +2619,7 @@
           <a:p>
             <a:fld id="{8805CF7F-8F9A-4330-A17A-6C22241C1646}" type="datetime1">
               <a:rPr lang="tr-TR" smtClean="0"/>
-              <a:t>19.04.2022</a:t>
+              <a:t>20.04.2022</a:t>
             </a:fld>
             <a:endParaRPr lang="tr-TR"/>
           </a:p>
@@ -2801,7 +2799,7 @@
           <a:p>
             <a:fld id="{E745B99C-A60C-45F3-BF97-1B30848DC9E8}" type="datetime1">
               <a:rPr lang="tr-TR" smtClean="0"/>
-              <a:t>19.04.2022</a:t>
+              <a:t>20.04.2022</a:t>
             </a:fld>
             <a:endParaRPr lang="tr-TR"/>
           </a:p>
@@ -2999,7 +2997,7 @@
                   </a:prstClr>
                 </a:solidFill>
               </a:rPr>
-              <a:t>19.04.2022</a:t>
+              <a:t>20.04.2022</a:t>
             </a:fld>
             <a:endParaRPr lang="tr-TR">
               <a:solidFill>
@@ -3200,7 +3198,7 @@
                   </a:prstClr>
                 </a:solidFill>
               </a:rPr>
-              <a:t>19.04.2022</a:t>
+              <a:t>20.04.2022</a:t>
             </a:fld>
             <a:endParaRPr lang="tr-TR">
               <a:solidFill>
@@ -3477,7 +3475,7 @@
                   </a:prstClr>
                 </a:solidFill>
               </a:rPr>
-              <a:t>19.04.2022</a:t>
+              <a:t>20.04.2022</a:t>
             </a:fld>
             <a:endParaRPr lang="tr-TR">
               <a:solidFill>
@@ -3740,7 +3738,7 @@
                   </a:prstClr>
                 </a:solidFill>
               </a:rPr>
-              <a:t>19.04.2022</a:t>
+              <a:t>20.04.2022</a:t>
             </a:fld>
             <a:endParaRPr lang="tr-TR">
               <a:solidFill>
@@ -4138,7 +4136,7 @@
                   </a:prstClr>
                 </a:solidFill>
               </a:rPr>
-              <a:t>19.04.2022</a:t>
+              <a:t>20.04.2022</a:t>
             </a:fld>
             <a:endParaRPr lang="tr-TR">
               <a:solidFill>
@@ -4287,7 +4285,7 @@
                   </a:prstClr>
                 </a:solidFill>
               </a:rPr>
-              <a:t>19.04.2022</a:t>
+              <a:t>20.04.2022</a:t>
             </a:fld>
             <a:endParaRPr lang="tr-TR">
               <a:solidFill>
@@ -4413,7 +4411,7 @@
                   </a:prstClr>
                 </a:solidFill>
               </a:rPr>
-              <a:t>19.04.2022</a:t>
+              <a:t>20.04.2022</a:t>
             </a:fld>
             <a:endParaRPr lang="tr-TR">
               <a:solidFill>
@@ -4729,7 +4727,7 @@
                   </a:prstClr>
                 </a:solidFill>
               </a:rPr>
-              <a:t>19.04.2022</a:t>
+              <a:t>20.04.2022</a:t>
             </a:fld>
             <a:endParaRPr lang="tr-TR">
               <a:solidFill>
@@ -4924,7 +4922,7 @@
           <a:p>
             <a:fld id="{D47BD304-2551-4C87-99B2-92989D0129D3}" type="datetime1">
               <a:rPr lang="tr-TR" smtClean="0"/>
-              <a:t>19.04.2022</a:t>
+              <a:t>20.04.2022</a:t>
             </a:fld>
             <a:endParaRPr lang="tr-TR"/>
           </a:p>
@@ -5183,7 +5181,7 @@
                   </a:prstClr>
                 </a:solidFill>
               </a:rPr>
-              <a:t>19.04.2022</a:t>
+              <a:t>20.04.2022</a:t>
             </a:fld>
             <a:endParaRPr lang="tr-TR">
               <a:solidFill>
@@ -5384,7 +5382,7 @@
                   </a:prstClr>
                 </a:solidFill>
               </a:rPr>
-              <a:t>19.04.2022</a:t>
+              <a:t>20.04.2022</a:t>
             </a:fld>
             <a:endParaRPr lang="tr-TR">
               <a:solidFill>
@@ -5595,7 +5593,7 @@
                   </a:prstClr>
                 </a:solidFill>
               </a:rPr>
-              <a:t>19.04.2022</a:t>
+              <a:t>20.04.2022</a:t>
             </a:fld>
             <a:endParaRPr lang="tr-TR">
               <a:solidFill>
@@ -5818,7 +5816,7 @@
                   </a:prstClr>
                 </a:solidFill>
               </a:rPr>
-              <a:t>19.04.2022</a:t>
+              <a:t>20.04.2022</a:t>
             </a:fld>
             <a:endParaRPr lang="tr-TR">
               <a:solidFill>
@@ -6019,7 +6017,7 @@
                   </a:prstClr>
                 </a:solidFill>
               </a:rPr>
-              <a:t>19.04.2022</a:t>
+              <a:t>20.04.2022</a:t>
             </a:fld>
             <a:endParaRPr lang="tr-TR">
               <a:solidFill>
@@ -6296,7 +6294,7 @@
                   </a:prstClr>
                 </a:solidFill>
               </a:rPr>
-              <a:t>19.04.2022</a:t>
+              <a:t>20.04.2022</a:t>
             </a:fld>
             <a:endParaRPr lang="tr-TR">
               <a:solidFill>
@@ -6559,7 +6557,7 @@
                   </a:prstClr>
                 </a:solidFill>
               </a:rPr>
-              <a:t>19.04.2022</a:t>
+              <a:t>20.04.2022</a:t>
             </a:fld>
             <a:endParaRPr lang="tr-TR">
               <a:solidFill>
@@ -6957,7 +6955,7 @@
                   </a:prstClr>
                 </a:solidFill>
               </a:rPr>
-              <a:t>19.04.2022</a:t>
+              <a:t>20.04.2022</a:t>
             </a:fld>
             <a:endParaRPr lang="tr-TR">
               <a:solidFill>
@@ -7106,7 +7104,7 @@
                   </a:prstClr>
                 </a:solidFill>
               </a:rPr>
-              <a:t>19.04.2022</a:t>
+              <a:t>20.04.2022</a:t>
             </a:fld>
             <a:endParaRPr lang="tr-TR">
               <a:solidFill>
@@ -7232,7 +7230,7 @@
                   </a:prstClr>
                 </a:solidFill>
               </a:rPr>
-              <a:t>19.04.2022</a:t>
+              <a:t>20.04.2022</a:t>
             </a:fld>
             <a:endParaRPr lang="tr-TR">
               <a:solidFill>
@@ -7503,7 +7501,7 @@
           <a:p>
             <a:fld id="{41DCC3F2-852F-40BD-983B-A48662F0AFA4}" type="datetime1">
               <a:rPr lang="tr-TR" smtClean="0"/>
-              <a:t>19.04.2022</a:t>
+              <a:t>20.04.2022</a:t>
             </a:fld>
             <a:endParaRPr lang="tr-TR"/>
           </a:p>
@@ -7786,7 +7784,7 @@
                   </a:prstClr>
                 </a:solidFill>
               </a:rPr>
-              <a:t>19.04.2022</a:t>
+              <a:t>20.04.2022</a:t>
             </a:fld>
             <a:endParaRPr lang="tr-TR">
               <a:solidFill>
@@ -8070,7 +8068,7 @@
                   </a:prstClr>
                 </a:solidFill>
               </a:rPr>
-              <a:t>19.04.2022</a:t>
+              <a:t>20.04.2022</a:t>
             </a:fld>
             <a:endParaRPr lang="tr-TR">
               <a:solidFill>
@@ -8271,7 +8269,7 @@
                   </a:prstClr>
                 </a:solidFill>
               </a:rPr>
-              <a:t>19.04.2022</a:t>
+              <a:t>20.04.2022</a:t>
             </a:fld>
             <a:endParaRPr lang="tr-TR">
               <a:solidFill>
@@ -8482,7 +8480,7 @@
                   </a:prstClr>
                 </a:solidFill>
               </a:rPr>
-              <a:t>19.04.2022</a:t>
+              <a:t>20.04.2022</a:t>
             </a:fld>
             <a:endParaRPr lang="tr-TR">
               <a:solidFill>
@@ -8705,7 +8703,7 @@
                   </a:prstClr>
                 </a:solidFill>
               </a:rPr>
-              <a:t>19.04.2022</a:t>
+              <a:t>20.04.2022</a:t>
             </a:fld>
             <a:endParaRPr lang="tr-TR">
               <a:solidFill>
@@ -8906,7 +8904,7 @@
                   </a:prstClr>
                 </a:solidFill>
               </a:rPr>
-              <a:t>19.04.2022</a:t>
+              <a:t>20.04.2022</a:t>
             </a:fld>
             <a:endParaRPr lang="tr-TR">
               <a:solidFill>
@@ -9183,7 +9181,7 @@
                   </a:prstClr>
                 </a:solidFill>
               </a:rPr>
-              <a:t>19.04.2022</a:t>
+              <a:t>20.04.2022</a:t>
             </a:fld>
             <a:endParaRPr lang="tr-TR">
               <a:solidFill>
@@ -9446,7 +9444,7 @@
                   </a:prstClr>
                 </a:solidFill>
               </a:rPr>
-              <a:t>19.04.2022</a:t>
+              <a:t>20.04.2022</a:t>
             </a:fld>
             <a:endParaRPr lang="tr-TR">
               <a:solidFill>
@@ -9844,7 +9842,7 @@
                   </a:prstClr>
                 </a:solidFill>
               </a:rPr>
-              <a:t>19.04.2022</a:t>
+              <a:t>20.04.2022</a:t>
             </a:fld>
             <a:endParaRPr lang="tr-TR">
               <a:solidFill>
@@ -9993,7 +9991,7 @@
                   </a:prstClr>
                 </a:solidFill>
               </a:rPr>
-              <a:t>19.04.2022</a:t>
+              <a:t>20.04.2022</a:t>
             </a:fld>
             <a:endParaRPr lang="tr-TR">
               <a:solidFill>
@@ -10250,7 +10248,7 @@
           <a:p>
             <a:fld id="{2803712A-2558-4444-9B34-BD78A35501F3}" type="datetime1">
               <a:rPr lang="tr-TR" smtClean="0"/>
-              <a:t>19.04.2022</a:t>
+              <a:t>20.04.2022</a:t>
             </a:fld>
             <a:endParaRPr lang="tr-TR"/>
           </a:p>
@@ -10351,7 +10349,7 @@
                   </a:prstClr>
                 </a:solidFill>
               </a:rPr>
-              <a:t>19.04.2022</a:t>
+              <a:t>20.04.2022</a:t>
             </a:fld>
             <a:endParaRPr lang="tr-TR">
               <a:solidFill>
@@ -10667,7 +10665,7 @@
                   </a:prstClr>
                 </a:solidFill>
               </a:rPr>
-              <a:t>19.04.2022</a:t>
+              <a:t>20.04.2022</a:t>
             </a:fld>
             <a:endParaRPr lang="tr-TR">
               <a:solidFill>
@@ -10951,7 +10949,7 @@
                   </a:prstClr>
                 </a:solidFill>
               </a:rPr>
-              <a:t>19.04.2022</a:t>
+              <a:t>20.04.2022</a:t>
             </a:fld>
             <a:endParaRPr lang="tr-TR">
               <a:solidFill>
@@ -11152,7 +11150,7 @@
                   </a:prstClr>
                 </a:solidFill>
               </a:rPr>
-              <a:t>19.04.2022</a:t>
+              <a:t>20.04.2022</a:t>
             </a:fld>
             <a:endParaRPr lang="tr-TR">
               <a:solidFill>
@@ -11363,7 +11361,7 @@
                   </a:prstClr>
                 </a:solidFill>
               </a:rPr>
-              <a:t>19.04.2022</a:t>
+              <a:t>20.04.2022</a:t>
             </a:fld>
             <a:endParaRPr lang="tr-TR">
               <a:solidFill>
@@ -11755,7 +11753,7 @@
           <a:p>
             <a:fld id="{33D04309-CEFC-4200-BF48-0F0168CA012F}" type="datetime1">
               <a:rPr lang="tr-TR" smtClean="0"/>
-              <a:t>19.04.2022</a:t>
+              <a:t>20.04.2022</a:t>
             </a:fld>
             <a:endParaRPr lang="tr-TR"/>
           </a:p>
@@ -11873,7 +11871,7 @@
           <a:p>
             <a:fld id="{CEDC0F90-B9DB-4108-8FE6-DA02D1E98381}" type="datetime1">
               <a:rPr lang="tr-TR" smtClean="0"/>
-              <a:t>19.04.2022</a:t>
+              <a:t>20.04.2022</a:t>
             </a:fld>
             <a:endParaRPr lang="tr-TR"/>
           </a:p>
@@ -11968,7 +11966,7 @@
           <a:p>
             <a:fld id="{9FB4B347-CEFA-4DB1-9157-84618CFC20DA}" type="datetime1">
               <a:rPr lang="tr-TR" smtClean="0"/>
-              <a:t>19.04.2022</a:t>
+              <a:t>20.04.2022</a:t>
             </a:fld>
             <a:endParaRPr lang="tr-TR"/>
           </a:p>
@@ -12253,7 +12251,7 @@
           <a:p>
             <a:fld id="{8117B773-6BC2-4D6D-849B-E8397DA9C09A}" type="datetime1">
               <a:rPr lang="tr-TR" smtClean="0"/>
-              <a:t>19.04.2022</a:t>
+              <a:t>20.04.2022</a:t>
             </a:fld>
             <a:endParaRPr lang="tr-TR"/>
           </a:p>
@@ -12506,7 +12504,7 @@
           <a:p>
             <a:fld id="{3D5AA9E4-E028-4B27-B496-E33318A6D696}" type="datetime1">
               <a:rPr lang="tr-TR" smtClean="0"/>
-              <a:t>19.04.2022</a:t>
+              <a:t>20.04.2022</a:t>
             </a:fld>
             <a:endParaRPr lang="tr-TR"/>
           </a:p>
@@ -12719,7 +12717,7 @@
           <a:p>
             <a:fld id="{F88072F5-BFF8-4171-853F-B86911804AE6}" type="datetime1">
               <a:rPr lang="tr-TR" smtClean="0"/>
-              <a:t>19.04.2022</a:t>
+              <a:t>20.04.2022</a:t>
             </a:fld>
             <a:endParaRPr lang="tr-TR"/>
           </a:p>
@@ -13266,7 +13264,7 @@
                   </a:prstClr>
                 </a:solidFill>
               </a:rPr>
-              <a:t>19.04.2022</a:t>
+              <a:t>20.04.2022</a:t>
             </a:fld>
             <a:endParaRPr lang="tr-TR">
               <a:solidFill>
@@ -13838,7 +13836,7 @@
                   </a:prstClr>
                 </a:solidFill>
               </a:rPr>
-              <a:t>19.04.2022</a:t>
+              <a:t>20.04.2022</a:t>
             </a:fld>
             <a:endParaRPr lang="tr-TR">
               <a:solidFill>
@@ -14410,7 +14408,7 @@
                   </a:prstClr>
                 </a:solidFill>
               </a:rPr>
-              <a:t>19.04.2022</a:t>
+              <a:t>20.04.2022</a:t>
             </a:fld>
             <a:endParaRPr lang="tr-TR">
               <a:solidFill>
@@ -15416,18 +15414,9 @@
           <a:p>
             <a:pPr algn="ctr"/>
             <a:r>
-              <a:rPr lang="tr-TR" sz="1000" smtClean="0"/>
-              <a:t>10 </a:t>
-            </a:r>
-            <a:r>
               <a:rPr lang="tr-TR" sz="1000"/>
-              <a:t>/ </a:t>
-            </a:r>
-            <a:r>
-              <a:rPr lang="tr-TR" sz="1000" smtClean="0"/>
-              <a:t>22</a:t>
-            </a:r>
-            <a:endParaRPr lang="tr-TR" sz="1000"/>
+              <a:t>10 / 22</a:t>
+            </a:r>
           </a:p>
         </p:txBody>
       </p:sp>
@@ -16302,18 +16291,9 @@
           <a:p>
             <a:pPr algn="ctr"/>
             <a:r>
-              <a:rPr lang="tr-TR" sz="1000" smtClean="0"/>
-              <a:t>11 </a:t>
-            </a:r>
-            <a:r>
               <a:rPr lang="tr-TR" sz="1000"/>
-              <a:t>/ </a:t>
-            </a:r>
-            <a:r>
-              <a:rPr lang="tr-TR" sz="1000" smtClean="0"/>
-              <a:t>22</a:t>
-            </a:r>
-            <a:endParaRPr lang="tr-TR" sz="1000"/>
+              <a:t>11 / 22</a:t>
+            </a:r>
           </a:p>
         </p:txBody>
       </p:sp>
@@ -17297,14 +17277,14 @@
                 <a:gridCol w="2236563">
                   <a:extLst>
                     <a:ext uri="{9D8B030D-6E8A-4147-A177-3AD203B41FA5}">
-                      <a16:colId xmlns:a16="http://schemas.microsoft.com/office/drawing/2014/main" xmlns="" val="20000"/>
+                      <a16:colId xmlns:a16="http://schemas.microsoft.com/office/drawing/2014/main" val="20000"/>
                     </a:ext>
                   </a:extLst>
                 </a:gridCol>
                 <a:gridCol w="1605280">
                   <a:extLst>
                     <a:ext uri="{9D8B030D-6E8A-4147-A177-3AD203B41FA5}">
-                      <a16:colId xmlns:a16="http://schemas.microsoft.com/office/drawing/2014/main" xmlns="" val="20001"/>
+                      <a16:colId xmlns:a16="http://schemas.microsoft.com/office/drawing/2014/main" val="20001"/>
                     </a:ext>
                   </a:extLst>
                 </a:gridCol>
@@ -17338,7 +17318,7 @@
                 </a:tc>
                 <a:extLst>
                   <a:ext uri="{0D108BD9-81ED-4DB2-BD59-A6C34878D82A}">
-                    <a16:rowId xmlns:a16="http://schemas.microsoft.com/office/drawing/2014/main" xmlns="" val="10000"/>
+                    <a16:rowId xmlns:a16="http://schemas.microsoft.com/office/drawing/2014/main" val="10000"/>
                   </a:ext>
                 </a:extLst>
               </a:tr>
@@ -17372,7 +17352,7 @@
                 </a:tc>
                 <a:extLst>
                   <a:ext uri="{0D108BD9-81ED-4DB2-BD59-A6C34878D82A}">
-                    <a16:rowId xmlns:a16="http://schemas.microsoft.com/office/drawing/2014/main" xmlns="" val="10001"/>
+                    <a16:rowId xmlns:a16="http://schemas.microsoft.com/office/drawing/2014/main" val="10001"/>
                   </a:ext>
                 </a:extLst>
               </a:tr>
@@ -17405,7 +17385,7 @@
                 </a:tc>
                 <a:extLst>
                   <a:ext uri="{0D108BD9-81ED-4DB2-BD59-A6C34878D82A}">
-                    <a16:rowId xmlns:a16="http://schemas.microsoft.com/office/drawing/2014/main" xmlns="" val="10002"/>
+                    <a16:rowId xmlns:a16="http://schemas.microsoft.com/office/drawing/2014/main" val="10002"/>
                   </a:ext>
                 </a:extLst>
               </a:tr>
@@ -17438,7 +17418,7 @@
                 </a:tc>
                 <a:extLst>
                   <a:ext uri="{0D108BD9-81ED-4DB2-BD59-A6C34878D82A}">
-                    <a16:rowId xmlns:a16="http://schemas.microsoft.com/office/drawing/2014/main" xmlns="" val="10003"/>
+                    <a16:rowId xmlns:a16="http://schemas.microsoft.com/office/drawing/2014/main" val="10003"/>
                   </a:ext>
                 </a:extLst>
               </a:tr>
@@ -17493,7 +17473,7 @@
                 </a:tc>
                 <a:extLst>
                   <a:ext uri="{0D108BD9-81ED-4DB2-BD59-A6C34878D82A}">
-                    <a16:rowId xmlns:a16="http://schemas.microsoft.com/office/drawing/2014/main" xmlns="" val="10004"/>
+                    <a16:rowId xmlns:a16="http://schemas.microsoft.com/office/drawing/2014/main" val="10004"/>
                   </a:ext>
                 </a:extLst>
               </a:tr>
@@ -17526,7 +17506,7 @@
                 </a:tc>
                 <a:extLst>
                   <a:ext uri="{0D108BD9-81ED-4DB2-BD59-A6C34878D82A}">
-                    <a16:rowId xmlns:a16="http://schemas.microsoft.com/office/drawing/2014/main" xmlns="" val="10005"/>
+                    <a16:rowId xmlns:a16="http://schemas.microsoft.com/office/drawing/2014/main" val="10005"/>
                   </a:ext>
                 </a:extLst>
               </a:tr>
@@ -17560,7 +17540,7 @@
                 </a:tc>
                 <a:extLst>
                   <a:ext uri="{0D108BD9-81ED-4DB2-BD59-A6C34878D82A}">
-                    <a16:rowId xmlns:a16="http://schemas.microsoft.com/office/drawing/2014/main" xmlns="" val="10006"/>
+                    <a16:rowId xmlns:a16="http://schemas.microsoft.com/office/drawing/2014/main" val="10006"/>
                   </a:ext>
                 </a:extLst>
               </a:tr>
@@ -17590,7 +17570,7 @@
                 </a:tc>
                 <a:extLst>
                   <a:ext uri="{0D108BD9-81ED-4DB2-BD59-A6C34878D82A}">
-                    <a16:rowId xmlns:a16="http://schemas.microsoft.com/office/drawing/2014/main" xmlns="" val="10007"/>
+                    <a16:rowId xmlns:a16="http://schemas.microsoft.com/office/drawing/2014/main" val="10007"/>
                   </a:ext>
                 </a:extLst>
               </a:tr>
@@ -17621,7 +17601,7 @@
                 </a:tc>
                 <a:extLst>
                   <a:ext uri="{0D108BD9-81ED-4DB2-BD59-A6C34878D82A}">
-                    <a16:rowId xmlns:a16="http://schemas.microsoft.com/office/drawing/2014/main" xmlns="" val="10008"/>
+                    <a16:rowId xmlns:a16="http://schemas.microsoft.com/office/drawing/2014/main" val="10008"/>
                   </a:ext>
                 </a:extLst>
               </a:tr>
@@ -17668,7 +17648,7 @@
                 </a:tc>
                 <a:extLst>
                   <a:ext uri="{0D108BD9-81ED-4DB2-BD59-A6C34878D82A}">
-                    <a16:rowId xmlns:a16="http://schemas.microsoft.com/office/drawing/2014/main" xmlns="" val="10009"/>
+                    <a16:rowId xmlns:a16="http://schemas.microsoft.com/office/drawing/2014/main" val="10009"/>
                   </a:ext>
                 </a:extLst>
               </a:tr>
@@ -17699,7 +17679,7 @@
                 </a:tc>
                 <a:extLst>
                   <a:ext uri="{0D108BD9-81ED-4DB2-BD59-A6C34878D82A}">
-                    <a16:rowId xmlns:a16="http://schemas.microsoft.com/office/drawing/2014/main" xmlns="" val="10010"/>
+                    <a16:rowId xmlns:a16="http://schemas.microsoft.com/office/drawing/2014/main" val="10010"/>
                   </a:ext>
                 </a:extLst>
               </a:tr>
@@ -17730,7 +17710,7 @@
                 </a:tc>
                 <a:extLst>
                   <a:ext uri="{0D108BD9-81ED-4DB2-BD59-A6C34878D82A}">
-                    <a16:rowId xmlns:a16="http://schemas.microsoft.com/office/drawing/2014/main" xmlns="" val="10011"/>
+                    <a16:rowId xmlns:a16="http://schemas.microsoft.com/office/drawing/2014/main" val="10011"/>
                   </a:ext>
                 </a:extLst>
               </a:tr>
@@ -17760,7 +17740,7 @@
                 </a:tc>
                 <a:extLst>
                   <a:ext uri="{0D108BD9-81ED-4DB2-BD59-A6C34878D82A}">
-                    <a16:rowId xmlns:a16="http://schemas.microsoft.com/office/drawing/2014/main" xmlns="" val="10012"/>
+                    <a16:rowId xmlns:a16="http://schemas.microsoft.com/office/drawing/2014/main" val="10012"/>
                   </a:ext>
                 </a:extLst>
               </a:tr>
@@ -17787,7 +17767,7 @@
                 </a:tc>
                 <a:extLst>
                   <a:ext uri="{0D108BD9-81ED-4DB2-BD59-A6C34878D82A}">
-                    <a16:rowId xmlns:a16="http://schemas.microsoft.com/office/drawing/2014/main" xmlns="" val="10013"/>
+                    <a16:rowId xmlns:a16="http://schemas.microsoft.com/office/drawing/2014/main" val="10013"/>
                   </a:ext>
                 </a:extLst>
               </a:tr>
@@ -17814,7 +17794,7 @@
                 </a:tc>
                 <a:extLst>
                   <a:ext uri="{0D108BD9-81ED-4DB2-BD59-A6C34878D82A}">
-                    <a16:rowId xmlns:a16="http://schemas.microsoft.com/office/drawing/2014/main" xmlns="" val="10014"/>
+                    <a16:rowId xmlns:a16="http://schemas.microsoft.com/office/drawing/2014/main" val="10014"/>
                   </a:ext>
                 </a:extLst>
               </a:tr>
@@ -17841,7 +17821,7 @@
                 </a:tc>
                 <a:extLst>
                   <a:ext uri="{0D108BD9-81ED-4DB2-BD59-A6C34878D82A}">
-                    <a16:rowId xmlns:a16="http://schemas.microsoft.com/office/drawing/2014/main" xmlns="" val="10015"/>
+                    <a16:rowId xmlns:a16="http://schemas.microsoft.com/office/drawing/2014/main" val="10015"/>
                   </a:ext>
                 </a:extLst>
               </a:tr>
@@ -17868,7 +17848,7 @@
                 </a:tc>
                 <a:extLst>
                   <a:ext uri="{0D108BD9-81ED-4DB2-BD59-A6C34878D82A}">
-                    <a16:rowId xmlns:a16="http://schemas.microsoft.com/office/drawing/2014/main" xmlns="" val="10016"/>
+                    <a16:rowId xmlns:a16="http://schemas.microsoft.com/office/drawing/2014/main" val="10016"/>
                   </a:ext>
                 </a:extLst>
               </a:tr>
@@ -17912,7 +17892,7 @@
                 </a:tc>
                 <a:extLst>
                   <a:ext uri="{0D108BD9-81ED-4DB2-BD59-A6C34878D82A}">
-                    <a16:rowId xmlns:a16="http://schemas.microsoft.com/office/drawing/2014/main" xmlns="" val="10017"/>
+                    <a16:rowId xmlns:a16="http://schemas.microsoft.com/office/drawing/2014/main" val="10017"/>
                   </a:ext>
                 </a:extLst>
               </a:tr>
@@ -17939,7 +17919,7 @@
                 </a:tc>
                 <a:extLst>
                   <a:ext uri="{0D108BD9-81ED-4DB2-BD59-A6C34878D82A}">
-                    <a16:rowId xmlns:a16="http://schemas.microsoft.com/office/drawing/2014/main" xmlns="" val="10018"/>
+                    <a16:rowId xmlns:a16="http://schemas.microsoft.com/office/drawing/2014/main" val="10018"/>
                   </a:ext>
                 </a:extLst>
               </a:tr>
@@ -18055,10 +18035,9 @@
           <a:p>
             <a:pPr algn="ctr"/>
             <a:r>
-              <a:rPr lang="tr-TR" sz="1000" smtClean="0"/>
+              <a:rPr lang="tr-TR" sz="1000"/>
               <a:t>13 / 22</a:t>
             </a:r>
-            <a:endParaRPr lang="tr-TR" sz="1000"/>
           </a:p>
         </p:txBody>
       </p:sp>
@@ -18067,7 +18046,7 @@
           <p:cNvPr id="3" name="Rectangle 2">
             <a:extLst>
               <a:ext uri="{FF2B5EF4-FFF2-40B4-BE49-F238E27FC236}">
-                <a16:creationId xmlns:a16="http://schemas.microsoft.com/office/drawing/2014/main" xmlns="" id="{81D475FE-A0EB-14CE-8A9A-6DD69C57DD59}"/>
+                <a16:creationId xmlns:a16="http://schemas.microsoft.com/office/drawing/2014/main" id="{81D475FE-A0EB-14CE-8A9A-6DD69C57DD59}"/>
               </a:ext>
             </a:extLst>
           </p:cNvPr>
@@ -18303,39 +18282,19 @@
                 </a:solidFill>
                 <a:hlinkClick r:id="rId4"/>
               </a:rPr>
-              <a:t>http://</a:t>
-            </a:r>
-            <a:r>
-              <a:rPr lang="tr-TR" smtClean="0">
+              <a:t>http://phdcomics.com/comics/archive/phd031214s.gif</a:t>
+            </a:r>
+            <a:r>
+              <a:rPr lang="tr-TR">
                 <a:solidFill>
                   <a:schemeClr val="tx1">
                     <a:lumMod val="75000"/>
                     <a:lumOff val="25000"/>
                   </a:schemeClr>
                 </a:solidFill>
-                <a:hlinkClick r:id="rId4"/>
-              </a:rPr>
-              <a:t>phdcomics.com/comics/archive/phd031214s.gif</a:t>
-            </a:r>
-            <a:r>
-              <a:rPr lang="tr-TR" smtClean="0">
-                <a:solidFill>
-                  <a:schemeClr val="tx1">
-                    <a:lumMod val="75000"/>
-                    <a:lumOff val="25000"/>
-                  </a:schemeClr>
-                </a:solidFill>
               </a:rPr>
               <a:t> </a:t>
             </a:r>
-            <a:endParaRPr lang="tr-TR">
-              <a:solidFill>
-                <a:schemeClr val="tx1">
-                  <a:lumMod val="75000"/>
-                  <a:lumOff val="25000"/>
-                </a:schemeClr>
-              </a:solidFill>
-            </a:endParaRPr>
           </a:p>
         </p:txBody>
       </p:sp>
@@ -18397,39 +18356,19 @@
                 </a:solidFill>
                 <a:hlinkClick r:id="rId5"/>
               </a:rPr>
-              <a:t>https://</a:t>
-            </a:r>
-            <a:r>
-              <a:rPr lang="tr-TR" smtClean="0">
+              <a:t>https://ieeexplore.ieee.org/document/6886129</a:t>
+            </a:r>
+            <a:r>
+              <a:rPr lang="tr-TR">
                 <a:solidFill>
                   <a:schemeClr val="tx1">
                     <a:lumMod val="75000"/>
                     <a:lumOff val="25000"/>
                   </a:schemeClr>
                 </a:solidFill>
-                <a:hlinkClick r:id="rId5"/>
-              </a:rPr>
-              <a:t>ieeexplore.ieee.org/document/6886129</a:t>
-            </a:r>
-            <a:r>
-              <a:rPr lang="tr-TR" smtClean="0">
-                <a:solidFill>
-                  <a:schemeClr val="tx1">
-                    <a:lumMod val="75000"/>
-                    <a:lumOff val="25000"/>
-                  </a:schemeClr>
-                </a:solidFill>
               </a:rPr>
               <a:t> </a:t>
             </a:r>
-            <a:endParaRPr lang="tr-TR">
-              <a:solidFill>
-                <a:schemeClr val="tx1">
-                  <a:lumMod val="75000"/>
-                  <a:lumOff val="25000"/>
-                </a:schemeClr>
-              </a:solidFill>
-            </a:endParaRPr>
           </a:p>
         </p:txBody>
       </p:sp>
@@ -21699,10 +21638,6 @@
               <a:rPr lang="tr-TR" sz="2400"/>
               <a:t>minimal manual interaction</a:t>
             </a:r>
-            <a:r>
-              <a:rPr lang="en-US" sz="2400"/>
-              <a:t/>
-            </a:r>
             <a:br>
               <a:rPr lang="en-US" sz="2400"/>
             </a:br>
@@ -21726,10 +21661,6 @@
               <a:rPr lang="tr-TR" sz="2400" b="1"/>
               <a:t>, Data Integrity → Reproducible</a:t>
             </a:r>
-            <a:r>
-              <a:rPr lang="en-US" sz="2400"/>
-              <a:t/>
-            </a:r>
             <a:br>
               <a:rPr lang="en-US" sz="2400"/>
             </a:br>
@@ -21748,10 +21679,6 @@
             <a:r>
               <a:rPr lang="tr-TR" sz="2400"/>
               <a:t>across different supported HPCs</a:t>
-            </a:r>
-            <a:r>
-              <a:rPr lang="en-US" sz="2400"/>
-              <a:t/>
             </a:r>
             <a:br>
               <a:rPr lang="en-US" sz="2400"/>
@@ -22100,18 +22027,9 @@
           <a:p>
             <a:pPr algn="ctr"/>
             <a:r>
-              <a:rPr lang="tr-TR" sz="1000" smtClean="0"/>
-              <a:t>17 </a:t>
-            </a:r>
-            <a:r>
               <a:rPr lang="tr-TR" sz="1000"/>
-              <a:t>/ </a:t>
-            </a:r>
-            <a:r>
-              <a:rPr lang="tr-TR" sz="1000" smtClean="0"/>
-              <a:t>22</a:t>
-            </a:r>
-            <a:endParaRPr lang="tr-TR" sz="1000"/>
+              <a:t>17 / 22</a:t>
+            </a:r>
           </a:p>
         </p:txBody>
       </p:sp>
@@ -22245,7 +22163,7 @@
           <p:cNvPr id="7" name="Group 6">
             <a:extLst>
               <a:ext uri="{FF2B5EF4-FFF2-40B4-BE49-F238E27FC236}">
-                <a16:creationId xmlns:a16="http://schemas.microsoft.com/office/drawing/2014/main" xmlns="" id="{72803FDC-10DD-438A-B784-C4295550D488}"/>
+                <a16:creationId xmlns:a16="http://schemas.microsoft.com/office/drawing/2014/main" id="{72803FDC-10DD-438A-B784-C4295550D488}"/>
               </a:ext>
             </a:extLst>
           </p:cNvPr>
@@ -22265,7 +22183,7 @@
             <p:cNvPr id="8" name="TextBox 7">
               <a:extLst>
                 <a:ext uri="{FF2B5EF4-FFF2-40B4-BE49-F238E27FC236}">
-                  <a16:creationId xmlns:a16="http://schemas.microsoft.com/office/drawing/2014/main" xmlns="" id="{107A6864-9F94-40E6-B02E-84014A25B056}"/>
+                  <a16:creationId xmlns:a16="http://schemas.microsoft.com/office/drawing/2014/main" id="{107A6864-9F94-40E6-B02E-84014A25B056}"/>
                 </a:ext>
               </a:extLst>
             </p:cNvPr>
@@ -22690,7 +22608,7 @@
             <p:cNvPr id="9" name="TextBox 8">
               <a:extLst>
                 <a:ext uri="{FF2B5EF4-FFF2-40B4-BE49-F238E27FC236}">
-                  <a16:creationId xmlns:a16="http://schemas.microsoft.com/office/drawing/2014/main" xmlns="" id="{3676B41C-58E0-43A0-8986-D80F94F6F0C9}"/>
+                  <a16:creationId xmlns:a16="http://schemas.microsoft.com/office/drawing/2014/main" id="{3676B41C-58E0-43A0-8986-D80F94F6F0C9}"/>
                 </a:ext>
               </a:extLst>
             </p:cNvPr>
@@ -22737,7 +22655,7 @@
           <p:cNvPr id="10" name="Group 9">
             <a:extLst>
               <a:ext uri="{FF2B5EF4-FFF2-40B4-BE49-F238E27FC236}">
-                <a16:creationId xmlns:a16="http://schemas.microsoft.com/office/drawing/2014/main" xmlns="" id="{51D7A769-0B90-4EC9-BE53-142D44DEBB79}"/>
+                <a16:creationId xmlns:a16="http://schemas.microsoft.com/office/drawing/2014/main" id="{51D7A769-0B90-4EC9-BE53-142D44DEBB79}"/>
               </a:ext>
             </a:extLst>
           </p:cNvPr>
@@ -22757,7 +22675,7 @@
             <p:cNvPr id="11" name="TextBox 10">
               <a:extLst>
                 <a:ext uri="{FF2B5EF4-FFF2-40B4-BE49-F238E27FC236}">
-                  <a16:creationId xmlns:a16="http://schemas.microsoft.com/office/drawing/2014/main" xmlns="" id="{B44619C7-114B-45F9-9332-12292CBE0F30}"/>
+                  <a16:creationId xmlns:a16="http://schemas.microsoft.com/office/drawing/2014/main" id="{B44619C7-114B-45F9-9332-12292CBE0F30}"/>
                 </a:ext>
               </a:extLst>
             </p:cNvPr>
@@ -23290,7 +23208,7 @@
             <p:cNvPr id="12" name="TextBox 11">
               <a:extLst>
                 <a:ext uri="{FF2B5EF4-FFF2-40B4-BE49-F238E27FC236}">
-                  <a16:creationId xmlns:a16="http://schemas.microsoft.com/office/drawing/2014/main" xmlns="" id="{F481F554-23C9-4CC9-873D-379A5B55611B}"/>
+                  <a16:creationId xmlns:a16="http://schemas.microsoft.com/office/drawing/2014/main" id="{F481F554-23C9-4CC9-873D-379A5B55611B}"/>
                 </a:ext>
               </a:extLst>
             </p:cNvPr>
@@ -23346,7 +23264,7 @@
           <p:cNvPr id="13" name="Group 12">
             <a:extLst>
               <a:ext uri="{FF2B5EF4-FFF2-40B4-BE49-F238E27FC236}">
-                <a16:creationId xmlns:a16="http://schemas.microsoft.com/office/drawing/2014/main" xmlns="" id="{A30C8C65-5F9C-44A5-8531-BAC07A73ACC5}"/>
+                <a16:creationId xmlns:a16="http://schemas.microsoft.com/office/drawing/2014/main" id="{A30C8C65-5F9C-44A5-8531-BAC07A73ACC5}"/>
               </a:ext>
             </a:extLst>
           </p:cNvPr>
@@ -23366,7 +23284,7 @@
             <p:cNvPr id="14" name="TextBox 13">
               <a:extLst>
                 <a:ext uri="{FF2B5EF4-FFF2-40B4-BE49-F238E27FC236}">
-                  <a16:creationId xmlns:a16="http://schemas.microsoft.com/office/drawing/2014/main" xmlns="" id="{1A948FAE-7272-4A00-AE96-0DA7BB35D346}"/>
+                  <a16:creationId xmlns:a16="http://schemas.microsoft.com/office/drawing/2014/main" id="{1A948FAE-7272-4A00-AE96-0DA7BB35D346}"/>
                 </a:ext>
               </a:extLst>
             </p:cNvPr>
@@ -23695,7 +23613,7 @@
             <p:cNvPr id="15" name="TextBox 14">
               <a:extLst>
                 <a:ext uri="{FF2B5EF4-FFF2-40B4-BE49-F238E27FC236}">
-                  <a16:creationId xmlns:a16="http://schemas.microsoft.com/office/drawing/2014/main" xmlns="" id="{32AE36EE-DE98-47A7-B8D1-B9E1ABE92421}"/>
+                  <a16:creationId xmlns:a16="http://schemas.microsoft.com/office/drawing/2014/main" id="{32AE36EE-DE98-47A7-B8D1-B9E1ABE92421}"/>
                 </a:ext>
               </a:extLst>
             </p:cNvPr>
@@ -23742,7 +23660,7 @@
           <p:cNvPr id="16" name="Group 15">
             <a:extLst>
               <a:ext uri="{FF2B5EF4-FFF2-40B4-BE49-F238E27FC236}">
-                <a16:creationId xmlns:a16="http://schemas.microsoft.com/office/drawing/2014/main" xmlns="" id="{2EAB6999-4124-4974-9048-28C234152914}"/>
+                <a16:creationId xmlns:a16="http://schemas.microsoft.com/office/drawing/2014/main" id="{2EAB6999-4124-4974-9048-28C234152914}"/>
               </a:ext>
             </a:extLst>
           </p:cNvPr>
@@ -23762,7 +23680,7 @@
             <p:cNvPr id="17" name="TextBox 16">
               <a:extLst>
                 <a:ext uri="{FF2B5EF4-FFF2-40B4-BE49-F238E27FC236}">
-                  <a16:creationId xmlns:a16="http://schemas.microsoft.com/office/drawing/2014/main" xmlns="" id="{4FCD9016-823B-47AC-9DBB-CA119ADF13C6}"/>
+                  <a16:creationId xmlns:a16="http://schemas.microsoft.com/office/drawing/2014/main" id="{4FCD9016-823B-47AC-9DBB-CA119ADF13C6}"/>
                 </a:ext>
               </a:extLst>
             </p:cNvPr>
@@ -24163,7 +24081,7 @@
             <p:cNvPr id="18" name="TextBox 17">
               <a:extLst>
                 <a:ext uri="{FF2B5EF4-FFF2-40B4-BE49-F238E27FC236}">
-                  <a16:creationId xmlns:a16="http://schemas.microsoft.com/office/drawing/2014/main" xmlns="" id="{F412A8DC-5995-46AB-878E-65799D10FFAE}"/>
+                  <a16:creationId xmlns:a16="http://schemas.microsoft.com/office/drawing/2014/main" id="{F412A8DC-5995-46AB-878E-65799D10FFAE}"/>
                 </a:ext>
               </a:extLst>
             </p:cNvPr>
@@ -24210,7 +24128,7 @@
           <p:cNvPr id="19" name="그룹 43">
             <a:extLst>
               <a:ext uri="{FF2B5EF4-FFF2-40B4-BE49-F238E27FC236}">
-                <a16:creationId xmlns:a16="http://schemas.microsoft.com/office/drawing/2014/main" xmlns="" id="{97238C91-39C3-4C50-B6C2-A509D639F0F5}"/>
+                <a16:creationId xmlns:a16="http://schemas.microsoft.com/office/drawing/2014/main" id="{97238C91-39C3-4C50-B6C2-A509D639F0F5}"/>
               </a:ext>
             </a:extLst>
           </p:cNvPr>
@@ -24230,7 +24148,7 @@
             <p:cNvPr id="20" name="Right Arrow Callout 4">
               <a:extLst>
                 <a:ext uri="{FF2B5EF4-FFF2-40B4-BE49-F238E27FC236}">
-                  <a16:creationId xmlns:a16="http://schemas.microsoft.com/office/drawing/2014/main" xmlns="" id="{FCFD924B-CE0F-4AAE-AC99-B7BDCFE9E269}"/>
+                  <a16:creationId xmlns:a16="http://schemas.microsoft.com/office/drawing/2014/main" id="{FCFD924B-CE0F-4AAE-AC99-B7BDCFE9E269}"/>
                 </a:ext>
               </a:extLst>
             </p:cNvPr>
@@ -24296,7 +24214,7 @@
             <p:cNvPr id="21" name="Right Arrow Callout 5">
               <a:extLst>
                 <a:ext uri="{FF2B5EF4-FFF2-40B4-BE49-F238E27FC236}">
-                  <a16:creationId xmlns:a16="http://schemas.microsoft.com/office/drawing/2014/main" xmlns="" id="{AD4F5DD1-3523-4E78-A087-5CEB87F97355}"/>
+                  <a16:creationId xmlns:a16="http://schemas.microsoft.com/office/drawing/2014/main" id="{AD4F5DD1-3523-4E78-A087-5CEB87F97355}"/>
                 </a:ext>
               </a:extLst>
             </p:cNvPr>
@@ -24362,7 +24280,7 @@
             <p:cNvPr id="22" name="Right Arrow Callout 6">
               <a:extLst>
                 <a:ext uri="{FF2B5EF4-FFF2-40B4-BE49-F238E27FC236}">
-                  <a16:creationId xmlns:a16="http://schemas.microsoft.com/office/drawing/2014/main" xmlns="" id="{1915F009-AEE8-4443-89A2-1BB6A5862A92}"/>
+                  <a16:creationId xmlns:a16="http://schemas.microsoft.com/office/drawing/2014/main" id="{1915F009-AEE8-4443-89A2-1BB6A5862A92}"/>
                 </a:ext>
               </a:extLst>
             </p:cNvPr>
@@ -24428,7 +24346,7 @@
             <p:cNvPr id="23" name="Right Arrow Callout 7">
               <a:extLst>
                 <a:ext uri="{FF2B5EF4-FFF2-40B4-BE49-F238E27FC236}">
-                  <a16:creationId xmlns:a16="http://schemas.microsoft.com/office/drawing/2014/main" xmlns="" id="{0317B4CC-8150-49AF-8F0D-4D21F2461FB5}"/>
+                  <a16:creationId xmlns:a16="http://schemas.microsoft.com/office/drawing/2014/main" id="{0317B4CC-8150-49AF-8F0D-4D21F2461FB5}"/>
                 </a:ext>
               </a:extLst>
             </p:cNvPr>
@@ -24495,7 +24413,7 @@
           <p:cNvPr id="24" name="Block Arc 20">
             <a:extLst>
               <a:ext uri="{FF2B5EF4-FFF2-40B4-BE49-F238E27FC236}">
-                <a16:creationId xmlns:a16="http://schemas.microsoft.com/office/drawing/2014/main" xmlns="" id="{442BD419-0F67-4BAB-976B-E90CC1C4AECE}"/>
+                <a16:creationId xmlns:a16="http://schemas.microsoft.com/office/drawing/2014/main" id="{442BD419-0F67-4BAB-976B-E90CC1C4AECE}"/>
               </a:ext>
             </a:extLst>
           </p:cNvPr>
@@ -24878,7 +24796,7 @@
           <p:cNvPr id="25" name="Rectangle 1">
             <a:extLst>
               <a:ext uri="{FF2B5EF4-FFF2-40B4-BE49-F238E27FC236}">
-                <a16:creationId xmlns:a16="http://schemas.microsoft.com/office/drawing/2014/main" xmlns="" id="{1CA70209-82A7-44B1-BD3F-84AFF225C28E}"/>
+                <a16:creationId xmlns:a16="http://schemas.microsoft.com/office/drawing/2014/main" id="{1CA70209-82A7-44B1-BD3F-84AFF225C28E}"/>
               </a:ext>
             </a:extLst>
           </p:cNvPr>
@@ -25455,7 +25373,7 @@
           <p:cNvPr id="26" name="Graphic 5">
             <a:extLst>
               <a:ext uri="{FF2B5EF4-FFF2-40B4-BE49-F238E27FC236}">
-                <a16:creationId xmlns:a16="http://schemas.microsoft.com/office/drawing/2014/main" xmlns="" id="{0C406B6E-C528-4B99-8600-80FDBC75CCB6}"/>
+                <a16:creationId xmlns:a16="http://schemas.microsoft.com/office/drawing/2014/main" id="{0C406B6E-C528-4B99-8600-80FDBC75CCB6}"/>
               </a:ext>
             </a:extLst>
           </p:cNvPr>
@@ -27330,7 +27248,7 @@
           <p:cNvPr id="27" name="Freeform: Shape 2">
             <a:extLst>
               <a:ext uri="{FF2B5EF4-FFF2-40B4-BE49-F238E27FC236}">
-                <a16:creationId xmlns:a16="http://schemas.microsoft.com/office/drawing/2014/main" xmlns="" id="{40E10D3B-A636-4560-ABA9-B1710B6CF971}"/>
+                <a16:creationId xmlns:a16="http://schemas.microsoft.com/office/drawing/2014/main" id="{40E10D3B-A636-4560-ABA9-B1710B6CF971}"/>
               </a:ext>
             </a:extLst>
           </p:cNvPr>
@@ -28531,18 +28449,9 @@
           <a:p>
             <a:pPr algn="ctr"/>
             <a:r>
-              <a:rPr lang="tr-TR" sz="1000" smtClean="0"/>
-              <a:t>18 </a:t>
-            </a:r>
-            <a:r>
               <a:rPr lang="tr-TR" sz="1000"/>
-              <a:t>/ </a:t>
-            </a:r>
-            <a:r>
-              <a:rPr lang="tr-TR" sz="1000" smtClean="0"/>
-              <a:t>22</a:t>
-            </a:r>
-            <a:endParaRPr lang="tr-TR" sz="1000"/>
+              <a:t>18 / 22</a:t>
+            </a:r>
           </a:p>
         </p:txBody>
       </p:sp>
@@ -30069,22 +29978,9 @@
           <a:p>
             <a:pPr algn="ctr"/>
             <a:r>
-              <a:rPr lang="tr-TR" sz="1000" smtClean="0"/>
-              <a:t>19</a:t>
-            </a:r>
-            <a:r>
-              <a:rPr lang="tr-TR" sz="1000" smtClean="0"/>
-              <a:t> </a:t>
-            </a:r>
-            <a:r>
               <a:rPr lang="tr-TR" sz="1000"/>
-              <a:t>/ </a:t>
-            </a:r>
-            <a:r>
-              <a:rPr lang="tr-TR" sz="1000" smtClean="0"/>
-              <a:t>22</a:t>
-            </a:r>
-            <a:endParaRPr lang="tr-TR" sz="1000"/>
+              <a:t>19 / 22</a:t>
+            </a:r>
           </a:p>
         </p:txBody>
       </p:sp>
@@ -30229,7 +30125,7 @@
           <p:cNvPr id="3" name="Table 2">
             <a:extLst>
               <a:ext uri="{FF2B5EF4-FFF2-40B4-BE49-F238E27FC236}">
-                <a16:creationId xmlns:a16="http://schemas.microsoft.com/office/drawing/2014/main" xmlns="" id="{E57C5358-2F1C-B4A2-80BA-4EB8F6F093FD}"/>
+                <a16:creationId xmlns:a16="http://schemas.microsoft.com/office/drawing/2014/main" id="{E57C5358-2F1C-B4A2-80BA-4EB8F6F093FD}"/>
               </a:ext>
             </a:extLst>
           </p:cNvPr>
@@ -30256,21 +30152,21 @@
                 <a:gridCol w="1170630">
                   <a:extLst>
                     <a:ext uri="{9D8B030D-6E8A-4147-A177-3AD203B41FA5}">
-                      <a16:colId xmlns:a16="http://schemas.microsoft.com/office/drawing/2014/main" xmlns="" val="2085809158"/>
+                      <a16:colId xmlns:a16="http://schemas.microsoft.com/office/drawing/2014/main" val="2085809158"/>
                     </a:ext>
                   </a:extLst>
                 </a:gridCol>
                 <a:gridCol w="277570">
                   <a:extLst>
                     <a:ext uri="{9D8B030D-6E8A-4147-A177-3AD203B41FA5}">
-                      <a16:colId xmlns:a16="http://schemas.microsoft.com/office/drawing/2014/main" xmlns="" val="1162518780"/>
+                      <a16:colId xmlns:a16="http://schemas.microsoft.com/office/drawing/2014/main" val="1162518780"/>
                     </a:ext>
                   </a:extLst>
                 </a:gridCol>
                 <a:gridCol w="6082444">
                   <a:extLst>
                     <a:ext uri="{9D8B030D-6E8A-4147-A177-3AD203B41FA5}">
-                      <a16:colId xmlns:a16="http://schemas.microsoft.com/office/drawing/2014/main" xmlns="" val="1360676965"/>
+                      <a16:colId xmlns:a16="http://schemas.microsoft.com/office/drawing/2014/main" val="1360676965"/>
                     </a:ext>
                   </a:extLst>
                 </a:gridCol>
@@ -30453,7 +30349,7 @@
                 </a:tc>
                 <a:extLst>
                   <a:ext uri="{0D108BD9-81ED-4DB2-BD59-A6C34878D82A}">
-                    <a16:rowId xmlns:a16="http://schemas.microsoft.com/office/drawing/2014/main" xmlns="" val="3878478292"/>
+                    <a16:rowId xmlns:a16="http://schemas.microsoft.com/office/drawing/2014/main" val="3878478292"/>
                   </a:ext>
                 </a:extLst>
               </a:tr>
@@ -30487,21 +30383,21 @@
                 <a:gridCol w="1170630">
                   <a:extLst>
                     <a:ext uri="{9D8B030D-6E8A-4147-A177-3AD203B41FA5}">
-                      <a16:colId xmlns:a16="http://schemas.microsoft.com/office/drawing/2014/main" xmlns="" val="20000"/>
+                      <a16:colId xmlns:a16="http://schemas.microsoft.com/office/drawing/2014/main" val="20000"/>
                     </a:ext>
                   </a:extLst>
                 </a:gridCol>
                 <a:gridCol w="277570">
                   <a:extLst>
                     <a:ext uri="{9D8B030D-6E8A-4147-A177-3AD203B41FA5}">
-                      <a16:colId xmlns:a16="http://schemas.microsoft.com/office/drawing/2014/main" xmlns="" val="20001"/>
+                      <a16:colId xmlns:a16="http://schemas.microsoft.com/office/drawing/2014/main" val="20001"/>
                     </a:ext>
                   </a:extLst>
                 </a:gridCol>
                 <a:gridCol w="6082444">
                   <a:extLst>
                     <a:ext uri="{9D8B030D-6E8A-4147-A177-3AD203B41FA5}">
-                      <a16:colId xmlns:a16="http://schemas.microsoft.com/office/drawing/2014/main" xmlns="" val="20002"/>
+                      <a16:colId xmlns:a16="http://schemas.microsoft.com/office/drawing/2014/main" val="20002"/>
                     </a:ext>
                   </a:extLst>
                 </a:gridCol>
@@ -30719,7 +30615,7 @@
                 </a:tc>
                 <a:extLst>
                   <a:ext uri="{0D108BD9-81ED-4DB2-BD59-A6C34878D82A}">
-                    <a16:rowId xmlns:a16="http://schemas.microsoft.com/office/drawing/2014/main" xmlns="" val="10000"/>
+                    <a16:rowId xmlns:a16="http://schemas.microsoft.com/office/drawing/2014/main" val="10000"/>
                   </a:ext>
                 </a:extLst>
               </a:tr>
@@ -30957,7 +30853,7 @@
                 </a:tc>
                 <a:extLst>
                   <a:ext uri="{0D108BD9-81ED-4DB2-BD59-A6C34878D82A}">
-                    <a16:rowId xmlns:a16="http://schemas.microsoft.com/office/drawing/2014/main" xmlns="" val="10001"/>
+                    <a16:rowId xmlns:a16="http://schemas.microsoft.com/office/drawing/2014/main" val="10001"/>
                   </a:ext>
                 </a:extLst>
               </a:tr>
@@ -31169,7 +31065,7 @@
                 </a:tc>
                 <a:extLst>
                   <a:ext uri="{0D108BD9-81ED-4DB2-BD59-A6C34878D82A}">
-                    <a16:rowId xmlns:a16="http://schemas.microsoft.com/office/drawing/2014/main" xmlns="" val="10002"/>
+                    <a16:rowId xmlns:a16="http://schemas.microsoft.com/office/drawing/2014/main" val="10002"/>
                   </a:ext>
                 </a:extLst>
               </a:tr>
@@ -31404,7 +31300,7 @@
                 </a:tc>
                 <a:extLst>
                   <a:ext uri="{0D108BD9-81ED-4DB2-BD59-A6C34878D82A}">
-                    <a16:rowId xmlns:a16="http://schemas.microsoft.com/office/drawing/2014/main" xmlns="" val="10003"/>
+                    <a16:rowId xmlns:a16="http://schemas.microsoft.com/office/drawing/2014/main" val="10003"/>
                   </a:ext>
                 </a:extLst>
               </a:tr>
@@ -31686,7 +31582,7 @@
                 </a:tc>
                 <a:extLst>
                   <a:ext uri="{0D108BD9-81ED-4DB2-BD59-A6C34878D82A}">
-                    <a16:rowId xmlns:a16="http://schemas.microsoft.com/office/drawing/2014/main" xmlns="" val="10004"/>
+                    <a16:rowId xmlns:a16="http://schemas.microsoft.com/office/drawing/2014/main" val="10004"/>
                   </a:ext>
                 </a:extLst>
               </a:tr>
@@ -31898,7 +31794,7 @@
                 </a:tc>
                 <a:extLst>
                   <a:ext uri="{0D108BD9-81ED-4DB2-BD59-A6C34878D82A}">
-                    <a16:rowId xmlns:a16="http://schemas.microsoft.com/office/drawing/2014/main" xmlns="" val="10005"/>
+                    <a16:rowId xmlns:a16="http://schemas.microsoft.com/office/drawing/2014/main" val="10005"/>
                   </a:ext>
                 </a:extLst>
               </a:tr>
@@ -32144,7 +32040,7 @@
                 </a:tc>
                 <a:extLst>
                   <a:ext uri="{0D108BD9-81ED-4DB2-BD59-A6C34878D82A}">
-                    <a16:rowId xmlns:a16="http://schemas.microsoft.com/office/drawing/2014/main" xmlns="" val="10006"/>
+                    <a16:rowId xmlns:a16="http://schemas.microsoft.com/office/drawing/2014/main" val="10006"/>
                   </a:ext>
                 </a:extLst>
               </a:tr>
@@ -32157,7 +32053,7 @@
           <p:cNvPr id="6" name="Table 5">
             <a:extLst>
               <a:ext uri="{FF2B5EF4-FFF2-40B4-BE49-F238E27FC236}">
-                <a16:creationId xmlns:a16="http://schemas.microsoft.com/office/drawing/2014/main" xmlns="" id="{E57C5358-2F1C-B4A2-80BA-4EB8F6F093FD}"/>
+                <a16:creationId xmlns:a16="http://schemas.microsoft.com/office/drawing/2014/main" id="{E57C5358-2F1C-B4A2-80BA-4EB8F6F093FD}"/>
               </a:ext>
             </a:extLst>
           </p:cNvPr>
@@ -32184,21 +32080,21 @@
                 <a:gridCol w="1046485">
                   <a:extLst>
                     <a:ext uri="{9D8B030D-6E8A-4147-A177-3AD203B41FA5}">
-                      <a16:colId xmlns:a16="http://schemas.microsoft.com/office/drawing/2014/main" xmlns="" val="2085809158"/>
+                      <a16:colId xmlns:a16="http://schemas.microsoft.com/office/drawing/2014/main" val="2085809158"/>
                     </a:ext>
                   </a:extLst>
                 </a:gridCol>
                 <a:gridCol w="236306">
                   <a:extLst>
                     <a:ext uri="{9D8B030D-6E8A-4147-A177-3AD203B41FA5}">
-                      <a16:colId xmlns:a16="http://schemas.microsoft.com/office/drawing/2014/main" xmlns="" val="1162518780"/>
+                      <a16:colId xmlns:a16="http://schemas.microsoft.com/office/drawing/2014/main" val="1162518780"/>
                     </a:ext>
                   </a:extLst>
                 </a:gridCol>
                 <a:gridCol w="3369614">
                   <a:extLst>
                     <a:ext uri="{9D8B030D-6E8A-4147-A177-3AD203B41FA5}">
-                      <a16:colId xmlns:a16="http://schemas.microsoft.com/office/drawing/2014/main" xmlns="" val="1360676965"/>
+                      <a16:colId xmlns:a16="http://schemas.microsoft.com/office/drawing/2014/main" val="1360676965"/>
                     </a:ext>
                   </a:extLst>
                 </a:gridCol>
@@ -32463,7 +32359,7 @@
                 </a:tc>
                 <a:extLst>
                   <a:ext uri="{0D108BD9-81ED-4DB2-BD59-A6C34878D82A}">
-                    <a16:rowId xmlns:a16="http://schemas.microsoft.com/office/drawing/2014/main" xmlns="" val="1615172577"/>
+                    <a16:rowId xmlns:a16="http://schemas.microsoft.com/office/drawing/2014/main" val="1615172577"/>
                   </a:ext>
                 </a:extLst>
               </a:tr>
@@ -32674,7 +32570,7 @@
                 </a:tc>
                 <a:extLst>
                   <a:ext uri="{0D108BD9-81ED-4DB2-BD59-A6C34878D82A}">
-                    <a16:rowId xmlns:a16="http://schemas.microsoft.com/office/drawing/2014/main" xmlns="" val="3045844909"/>
+                    <a16:rowId xmlns:a16="http://schemas.microsoft.com/office/drawing/2014/main" val="3045844909"/>
                   </a:ext>
                 </a:extLst>
               </a:tr>
@@ -32938,7 +32834,7 @@
                 </a:tc>
                 <a:extLst>
                   <a:ext uri="{0D108BD9-81ED-4DB2-BD59-A6C34878D82A}">
-                    <a16:rowId xmlns:a16="http://schemas.microsoft.com/office/drawing/2014/main" xmlns="" val="1200766124"/>
+                    <a16:rowId xmlns:a16="http://schemas.microsoft.com/office/drawing/2014/main" val="1200766124"/>
                   </a:ext>
                 </a:extLst>
               </a:tr>
@@ -33145,7 +33041,7 @@
                 </a:tc>
                 <a:extLst>
                   <a:ext uri="{0D108BD9-81ED-4DB2-BD59-A6C34878D82A}">
-                    <a16:rowId xmlns:a16="http://schemas.microsoft.com/office/drawing/2014/main" xmlns="" val="2751798815"/>
+                    <a16:rowId xmlns:a16="http://schemas.microsoft.com/office/drawing/2014/main" val="2751798815"/>
                   </a:ext>
                 </a:extLst>
               </a:tr>
@@ -33352,7 +33248,7 @@
                 </a:tc>
                 <a:extLst>
                   <a:ext uri="{0D108BD9-81ED-4DB2-BD59-A6C34878D82A}">
-                    <a16:rowId xmlns:a16="http://schemas.microsoft.com/office/drawing/2014/main" xmlns="" val="1774161713"/>
+                    <a16:rowId xmlns:a16="http://schemas.microsoft.com/office/drawing/2014/main" val="1774161713"/>
                   </a:ext>
                 </a:extLst>
               </a:tr>
@@ -33473,13 +33369,8 @@
             <a:pPr algn="ctr"/>
             <a:r>
               <a:rPr lang="tr-TR" sz="1000"/>
-              <a:t>2 / </a:t>
-            </a:r>
-            <a:r>
-              <a:rPr lang="tr-TR" sz="1000" smtClean="0"/>
-              <a:t>22</a:t>
-            </a:r>
-            <a:endParaRPr lang="tr-TR" sz="1000"/>
+              <a:t>2 / 22</a:t>
+            </a:r>
           </a:p>
         </p:txBody>
       </p:sp>
@@ -34888,18 +34779,9 @@
           <a:p>
             <a:pPr algn="ctr"/>
             <a:r>
-              <a:rPr lang="tr-TR" sz="1000" smtClean="0"/>
-              <a:t>21 </a:t>
-            </a:r>
-            <a:r>
               <a:rPr lang="tr-TR" sz="1000"/>
-              <a:t>/ </a:t>
-            </a:r>
-            <a:r>
-              <a:rPr lang="tr-TR" sz="1000" smtClean="0"/>
-              <a:t>22</a:t>
-            </a:r>
-            <a:endParaRPr lang="tr-TR" sz="1000"/>
+              <a:t>21 / 22</a:t>
+            </a:r>
           </a:p>
         </p:txBody>
       </p:sp>
@@ -35517,18 +35399,9 @@
           <a:p>
             <a:pPr algn="ctr"/>
             <a:r>
-              <a:rPr lang="tr-TR" sz="1000" smtClean="0"/>
-              <a:t>22 </a:t>
-            </a:r>
-            <a:r>
               <a:rPr lang="tr-TR" sz="1000"/>
-              <a:t>/ </a:t>
-            </a:r>
-            <a:r>
-              <a:rPr lang="tr-TR" sz="1000" smtClean="0"/>
-              <a:t>22</a:t>
-            </a:r>
-            <a:endParaRPr lang="tr-TR" sz="1000"/>
+              <a:t>22 / 22</a:t>
+            </a:r>
           </a:p>
         </p:txBody>
       </p:sp>
@@ -36154,13 +36027,8 @@
             <a:pPr algn="ctr"/>
             <a:r>
               <a:rPr lang="tr-TR" sz="1000"/>
-              <a:t>3 / </a:t>
-            </a:r>
-            <a:r>
-              <a:rPr lang="tr-TR" sz="1000" smtClean="0"/>
-              <a:t>22</a:t>
-            </a:r>
-            <a:endParaRPr lang="tr-TR" sz="1000"/>
+              <a:t>3 / 22</a:t>
+            </a:r>
           </a:p>
         </p:txBody>
       </p:sp>
@@ -36530,13 +36398,8 @@
             <a:pPr algn="ctr"/>
             <a:r>
               <a:rPr lang="tr-TR" sz="1000"/>
-              <a:t>4 / </a:t>
-            </a:r>
-            <a:r>
-              <a:rPr lang="tr-TR" sz="1000" smtClean="0"/>
-              <a:t>22</a:t>
-            </a:r>
-            <a:endParaRPr lang="tr-TR" sz="1000"/>
+              <a:t>4 / 22</a:t>
+            </a:r>
           </a:p>
         </p:txBody>
       </p:sp>
@@ -37313,13 +37176,8 @@
             <a:pPr algn="ctr"/>
             <a:r>
               <a:rPr lang="tr-TR" sz="1000"/>
-              <a:t>5 / </a:t>
-            </a:r>
-            <a:r>
-              <a:rPr lang="tr-TR" sz="1000" smtClean="0"/>
-              <a:t>22</a:t>
-            </a:r>
-            <a:endParaRPr lang="tr-TR" sz="1000"/>
+              <a:t>5 / 22</a:t>
+            </a:r>
           </a:p>
         </p:txBody>
       </p:sp>
@@ -37545,7 +37403,7 @@
           <p:cNvPr id="13" name="Oval 12">
             <a:extLst>
               <a:ext uri="{FF2B5EF4-FFF2-40B4-BE49-F238E27FC236}">
-                <a16:creationId xmlns:a16="http://schemas.microsoft.com/office/drawing/2014/main" xmlns="" id="{642FF2BF-EB4E-55C1-6509-CC52FAC22DDE}"/>
+                <a16:creationId xmlns:a16="http://schemas.microsoft.com/office/drawing/2014/main" id="{642FF2BF-EB4E-55C1-6509-CC52FAC22DDE}"/>
               </a:ext>
             </a:extLst>
           </p:cNvPr>
@@ -37604,7 +37462,7 @@
           <p:cNvPr id="16" name="TextBox 15">
             <a:extLst>
               <a:ext uri="{FF2B5EF4-FFF2-40B4-BE49-F238E27FC236}">
-                <a16:creationId xmlns:a16="http://schemas.microsoft.com/office/drawing/2014/main" xmlns="" id="{CF01796F-49AA-293B-A9D0-FA771921E9D8}"/>
+                <a16:creationId xmlns:a16="http://schemas.microsoft.com/office/drawing/2014/main" id="{CF01796F-49AA-293B-A9D0-FA771921E9D8}"/>
               </a:ext>
             </a:extLst>
           </p:cNvPr>
@@ -37961,21 +37819,8 @@
             <a:pPr algn="ctr"/>
             <a:r>
               <a:rPr lang="tr-TR" sz="1000"/>
-              <a:t>6</a:t>
-            </a:r>
-            <a:r>
-              <a:rPr lang="tr-TR" sz="1000" smtClean="0"/>
-              <a:t> </a:t>
-            </a:r>
-            <a:r>
-              <a:rPr lang="tr-TR" sz="1000"/>
-              <a:t>/ </a:t>
-            </a:r>
-            <a:r>
-              <a:rPr lang="tr-TR" sz="1000" smtClean="0"/>
-              <a:t>22</a:t>
-            </a:r>
-            <a:endParaRPr lang="tr-TR" sz="1000"/>
+              <a:t>6 / 22</a:t>
+            </a:r>
           </a:p>
         </p:txBody>
       </p:sp>
@@ -38004,19 +37849,12 @@
               <a:rPr lang="tr-TR" sz="2400">
                 <a:hlinkClick r:id="rId4"/>
               </a:rPr>
-              <a:t>https://</a:t>
-            </a:r>
-            <a:r>
-              <a:rPr lang="tr-TR" sz="2400" smtClean="0">
-                <a:hlinkClick r:id="rId4"/>
-              </a:rPr>
-              <a:t>github.com/esm-tools/workshops</a:t>
-            </a:r>
-            <a:r>
-              <a:rPr lang="tr-TR" sz="2400" smtClean="0"/>
+              <a:t>https://github.com/esm-tools/workshops</a:t>
+            </a:r>
+            <a:r>
+              <a:rPr lang="tr-TR" sz="2400"/>
               <a:t> </a:t>
             </a:r>
-            <a:endParaRPr lang="tr-TR" sz="2400"/>
           </a:p>
         </p:txBody>
       </p:sp>
@@ -38143,10 +37981,9 @@
           <a:p>
             <a:pPr lvl="1"/>
             <a:r>
-              <a:rPr lang="tr-TR" sz="2000" smtClean="0"/>
+              <a:rPr lang="tr-TR" sz="2000"/>
               <a:t>Presentations, runscripts, exercises, ...</a:t>
             </a:r>
-            <a:endParaRPr lang="tr-TR" sz="2000"/>
           </a:p>
         </p:txBody>
       </p:sp>
@@ -38175,19 +38012,12 @@
               <a:rPr lang="tr-TR" sz="2400">
                 <a:hlinkClick r:id="rId5"/>
               </a:rPr>
-              <a:t>https://</a:t>
-            </a:r>
-            <a:r>
-              <a:rPr lang="tr-TR" sz="2400" smtClean="0">
-                <a:hlinkClick r:id="rId5"/>
-              </a:rPr>
-              <a:t>github.com/esm-tools</a:t>
-            </a:r>
-            <a:r>
-              <a:rPr lang="tr-TR" sz="2400" smtClean="0"/>
+              <a:t>https://github.com/esm-tools</a:t>
+            </a:r>
+            <a:r>
+              <a:rPr lang="tr-TR" sz="2400"/>
               <a:t> </a:t>
             </a:r>
-            <a:endParaRPr lang="tr-TR" sz="2400"/>
           </a:p>
         </p:txBody>
       </p:sp>
@@ -38266,19 +38096,12 @@
               <a:rPr lang="tr-TR" sz="2400">
                 <a:hlinkClick r:id="rId6"/>
               </a:rPr>
-              <a:t>https://</a:t>
-            </a:r>
-            <a:r>
-              <a:rPr lang="tr-TR" sz="2400" smtClean="0">
-                <a:hlinkClick r:id="rId6"/>
-              </a:rPr>
-              <a:t>github.com/esm-tools/esm_tools/discussions</a:t>
-            </a:r>
-            <a:r>
-              <a:rPr lang="tr-TR" sz="2400" smtClean="0"/>
+              <a:t>https://github.com/esm-tools/esm_tools/discussions</a:t>
+            </a:r>
+            <a:r>
+              <a:rPr lang="tr-TR" sz="2400"/>
               <a:t> </a:t>
             </a:r>
-            <a:endParaRPr lang="tr-TR" sz="2400"/>
           </a:p>
         </p:txBody>
       </p:sp>
@@ -38448,7 +38271,7 @@
           <p:cNvPr id="4" name="Table 4">
             <a:extLst>
               <a:ext uri="{FF2B5EF4-FFF2-40B4-BE49-F238E27FC236}">
-                <a16:creationId xmlns:a16="http://schemas.microsoft.com/office/drawing/2014/main" xmlns="" id="{20D35D03-D121-9498-2C51-A5A349E647E3}"/>
+                <a16:creationId xmlns:a16="http://schemas.microsoft.com/office/drawing/2014/main" id="{20D35D03-D121-9498-2C51-A5A349E647E3}"/>
               </a:ext>
             </a:extLst>
           </p:cNvPr>
@@ -38471,21 +38294,21 @@
                 <a:gridCol w="1840379">
                   <a:extLst>
                     <a:ext uri="{9D8B030D-6E8A-4147-A177-3AD203B41FA5}">
-                      <a16:colId xmlns:a16="http://schemas.microsoft.com/office/drawing/2014/main" xmlns="" val="2352134718"/>
+                      <a16:colId xmlns:a16="http://schemas.microsoft.com/office/drawing/2014/main" val="2352134718"/>
                     </a:ext>
                   </a:extLst>
                 </a:gridCol>
                 <a:gridCol w="7848151">
                   <a:extLst>
                     <a:ext uri="{9D8B030D-6E8A-4147-A177-3AD203B41FA5}">
-                      <a16:colId xmlns:a16="http://schemas.microsoft.com/office/drawing/2014/main" xmlns="" val="3164436195"/>
+                      <a16:colId xmlns:a16="http://schemas.microsoft.com/office/drawing/2014/main" val="3164436195"/>
                     </a:ext>
                   </a:extLst>
                 </a:gridCol>
                 <a:gridCol w="1900717">
                   <a:extLst>
                     <a:ext uri="{9D8B030D-6E8A-4147-A177-3AD203B41FA5}">
-                      <a16:colId xmlns:a16="http://schemas.microsoft.com/office/drawing/2014/main" xmlns="" val="422164040"/>
+                      <a16:colId xmlns:a16="http://schemas.microsoft.com/office/drawing/2014/main" val="422164040"/>
                     </a:ext>
                   </a:extLst>
                 </a:gridCol>
@@ -38689,7 +38512,7 @@
                 </a:tc>
                 <a:extLst>
                   <a:ext uri="{0D108BD9-81ED-4DB2-BD59-A6C34878D82A}">
-                    <a16:rowId xmlns:a16="http://schemas.microsoft.com/office/drawing/2014/main" xmlns="" val="3570632641"/>
+                    <a16:rowId xmlns:a16="http://schemas.microsoft.com/office/drawing/2014/main" val="3570632641"/>
                   </a:ext>
                 </a:extLst>
               </a:tr>
@@ -38831,10 +38654,6 @@
                         <a:rPr lang="en-GB" sz="1600" dirty="0" err="1"/>
                         <a:t>Barbi</a:t>
                       </a:r>
-                      <a:r>
-                        <a:rPr lang="en-GB" sz="1600" dirty="0"/>
-                        <a:t/>
-                      </a:r>
                       <a:br>
                         <a:rPr lang="en-GB" sz="1600" dirty="0"/>
                       </a:br>
@@ -38897,7 +38716,7 @@
                 </a:tc>
                 <a:extLst>
                   <a:ext uri="{0D108BD9-81ED-4DB2-BD59-A6C34878D82A}">
-                    <a16:rowId xmlns:a16="http://schemas.microsoft.com/office/drawing/2014/main" xmlns="" val="2595504873"/>
+                    <a16:rowId xmlns:a16="http://schemas.microsoft.com/office/drawing/2014/main" val="2595504873"/>
                   </a:ext>
                 </a:extLst>
               </a:tr>
@@ -38910,7 +38729,7 @@
           <p:cNvPr id="10" name="Table 4">
             <a:extLst>
               <a:ext uri="{FF2B5EF4-FFF2-40B4-BE49-F238E27FC236}">
-                <a16:creationId xmlns:a16="http://schemas.microsoft.com/office/drawing/2014/main" xmlns="" id="{E04C80DE-6A26-5CE4-A3BE-B287E47340EE}"/>
+                <a16:creationId xmlns:a16="http://schemas.microsoft.com/office/drawing/2014/main" id="{E04C80DE-6A26-5CE4-A3BE-B287E47340EE}"/>
               </a:ext>
             </a:extLst>
           </p:cNvPr>
@@ -38933,21 +38752,21 @@
                 <a:gridCol w="1840379">
                   <a:extLst>
                     <a:ext uri="{9D8B030D-6E8A-4147-A177-3AD203B41FA5}">
-                      <a16:colId xmlns:a16="http://schemas.microsoft.com/office/drawing/2014/main" xmlns="" val="2352134718"/>
+                      <a16:colId xmlns:a16="http://schemas.microsoft.com/office/drawing/2014/main" val="2352134718"/>
                     </a:ext>
                   </a:extLst>
                 </a:gridCol>
                 <a:gridCol w="7848151">
                   <a:extLst>
                     <a:ext uri="{9D8B030D-6E8A-4147-A177-3AD203B41FA5}">
-                      <a16:colId xmlns:a16="http://schemas.microsoft.com/office/drawing/2014/main" xmlns="" val="3164436195"/>
+                      <a16:colId xmlns:a16="http://schemas.microsoft.com/office/drawing/2014/main" val="3164436195"/>
                     </a:ext>
                   </a:extLst>
                 </a:gridCol>
                 <a:gridCol w="1900717">
                   <a:extLst>
                     <a:ext uri="{9D8B030D-6E8A-4147-A177-3AD203B41FA5}">
-                      <a16:colId xmlns:a16="http://schemas.microsoft.com/office/drawing/2014/main" xmlns="" val="422164040"/>
+                      <a16:colId xmlns:a16="http://schemas.microsoft.com/office/drawing/2014/main" val="422164040"/>
                     </a:ext>
                   </a:extLst>
                 </a:gridCol>
@@ -39285,7 +39104,7 @@
                 </a:tc>
                 <a:extLst>
                   <a:ext uri="{0D108BD9-81ED-4DB2-BD59-A6C34878D82A}">
-                    <a16:rowId xmlns:a16="http://schemas.microsoft.com/office/drawing/2014/main" xmlns="" val="2388485096"/>
+                    <a16:rowId xmlns:a16="http://schemas.microsoft.com/office/drawing/2014/main" val="2388485096"/>
                   </a:ext>
                 </a:extLst>
               </a:tr>
@@ -39298,7 +39117,7 @@
           <p:cNvPr id="11" name="Table 4">
             <a:extLst>
               <a:ext uri="{FF2B5EF4-FFF2-40B4-BE49-F238E27FC236}">
-                <a16:creationId xmlns:a16="http://schemas.microsoft.com/office/drawing/2014/main" xmlns="" id="{0E76D31D-A97A-025C-6AF1-7BB5722B9993}"/>
+                <a16:creationId xmlns:a16="http://schemas.microsoft.com/office/drawing/2014/main" id="{0E76D31D-A97A-025C-6AF1-7BB5722B9993}"/>
               </a:ext>
             </a:extLst>
           </p:cNvPr>
@@ -39321,21 +39140,21 @@
                 <a:gridCol w="1840379">
                   <a:extLst>
                     <a:ext uri="{9D8B030D-6E8A-4147-A177-3AD203B41FA5}">
-                      <a16:colId xmlns:a16="http://schemas.microsoft.com/office/drawing/2014/main" xmlns="" val="2352134718"/>
+                      <a16:colId xmlns:a16="http://schemas.microsoft.com/office/drawing/2014/main" val="2352134718"/>
                     </a:ext>
                   </a:extLst>
                 </a:gridCol>
                 <a:gridCol w="7848151">
                   <a:extLst>
                     <a:ext uri="{9D8B030D-6E8A-4147-A177-3AD203B41FA5}">
-                      <a16:colId xmlns:a16="http://schemas.microsoft.com/office/drawing/2014/main" xmlns="" val="3164436195"/>
+                      <a16:colId xmlns:a16="http://schemas.microsoft.com/office/drawing/2014/main" val="3164436195"/>
                     </a:ext>
                   </a:extLst>
                 </a:gridCol>
                 <a:gridCol w="1900717">
                   <a:extLst>
                     <a:ext uri="{9D8B030D-6E8A-4147-A177-3AD203B41FA5}">
-                      <a16:colId xmlns:a16="http://schemas.microsoft.com/office/drawing/2014/main" xmlns="" val="422164040"/>
+                      <a16:colId xmlns:a16="http://schemas.microsoft.com/office/drawing/2014/main" val="422164040"/>
                     </a:ext>
                   </a:extLst>
                 </a:gridCol>
@@ -39705,7 +39524,7 @@
                 </a:tc>
                 <a:extLst>
                   <a:ext uri="{0D108BD9-81ED-4DB2-BD59-A6C34878D82A}">
-                    <a16:rowId xmlns:a16="http://schemas.microsoft.com/office/drawing/2014/main" xmlns="" val="2137410339"/>
+                    <a16:rowId xmlns:a16="http://schemas.microsoft.com/office/drawing/2014/main" val="2137410339"/>
                   </a:ext>
                 </a:extLst>
               </a:tr>
@@ -39718,7 +39537,7 @@
           <p:cNvPr id="7" name="TextBox 6">
             <a:extLst>
               <a:ext uri="{FF2B5EF4-FFF2-40B4-BE49-F238E27FC236}">
-                <a16:creationId xmlns:a16="http://schemas.microsoft.com/office/drawing/2014/main" xmlns="" id="{024E46EA-DF6A-D5E3-DEF6-8DB7EBF6905D}"/>
+                <a16:creationId xmlns:a16="http://schemas.microsoft.com/office/drawing/2014/main" id="{024E46EA-DF6A-D5E3-DEF6-8DB7EBF6905D}"/>
               </a:ext>
             </a:extLst>
           </p:cNvPr>
@@ -39759,7 +39578,7 @@
           <p:cNvPr id="5" name="TextBox 4">
             <a:extLst>
               <a:ext uri="{FF2B5EF4-FFF2-40B4-BE49-F238E27FC236}">
-                <a16:creationId xmlns:a16="http://schemas.microsoft.com/office/drawing/2014/main" xmlns="" id="{6D0C701B-BBB0-F751-6975-160B59712296}"/>
+                <a16:creationId xmlns:a16="http://schemas.microsoft.com/office/drawing/2014/main" id="{6D0C701B-BBB0-F751-6975-160B59712296}"/>
               </a:ext>
             </a:extLst>
           </p:cNvPr>
@@ -39800,7 +39619,7 @@
           <p:cNvPr id="9" name="TextBox 8">
             <a:extLst>
               <a:ext uri="{FF2B5EF4-FFF2-40B4-BE49-F238E27FC236}">
-                <a16:creationId xmlns:a16="http://schemas.microsoft.com/office/drawing/2014/main" xmlns="" id="{9682E750-208E-9DEC-5FF7-142882D5FD9B}"/>
+                <a16:creationId xmlns:a16="http://schemas.microsoft.com/office/drawing/2014/main" id="{9682E750-208E-9DEC-5FF7-142882D5FD9B}"/>
               </a:ext>
             </a:extLst>
           </p:cNvPr>
@@ -39861,18 +39680,9 @@
           <a:p>
             <a:pPr algn="ctr"/>
             <a:r>
-              <a:rPr lang="tr-TR" sz="1000" smtClean="0"/>
-              <a:t>7 </a:t>
-            </a:r>
-            <a:r>
               <a:rPr lang="tr-TR" sz="1000"/>
-              <a:t>/ </a:t>
-            </a:r>
-            <a:r>
-              <a:rPr lang="tr-TR" sz="1000" smtClean="0"/>
-              <a:t>22</a:t>
-            </a:r>
-            <a:endParaRPr lang="tr-TR" sz="1000"/>
+              <a:t>7 / 22</a:t>
+            </a:r>
           </a:p>
         </p:txBody>
       </p:sp>
@@ -39911,14 +39721,20 @@
           <p:cNvPr id="7" name="Table 4">
             <a:extLst>
               <a:ext uri="{FF2B5EF4-FFF2-40B4-BE49-F238E27FC236}">
-                <a16:creationId xmlns:a16="http://schemas.microsoft.com/office/drawing/2014/main" xmlns="" id="{E7E66515-F1DE-178E-A84A-B5FCB0CB9A6E}"/>
+                <a16:creationId xmlns:a16="http://schemas.microsoft.com/office/drawing/2014/main" id="{E7E66515-F1DE-178E-A84A-B5FCB0CB9A6E}"/>
               </a:ext>
             </a:extLst>
           </p:cNvPr>
           <p:cNvGraphicFramePr>
             <a:graphicFrameLocks noGrp="1"/>
           </p:cNvGraphicFramePr>
-          <p:nvPr/>
+          <p:nvPr>
+            <p:extLst>
+              <p:ext uri="{D42A27DB-BD31-4B8C-83A1-F6EECF244321}">
+                <p14:modId xmlns:p14="http://schemas.microsoft.com/office/powerpoint/2010/main" val="2659134719"/>
+              </p:ext>
+            </p:extLst>
+          </p:nvPr>
         </p:nvGraphicFramePr>
         <p:xfrm>
           <a:off x="369870" y="2005721"/>
@@ -39934,21 +39750,21 @@
                 <a:gridCol w="1840379">
                   <a:extLst>
                     <a:ext uri="{9D8B030D-6E8A-4147-A177-3AD203B41FA5}">
-                      <a16:colId xmlns:a16="http://schemas.microsoft.com/office/drawing/2014/main" xmlns="" val="2352134718"/>
+                      <a16:colId xmlns:a16="http://schemas.microsoft.com/office/drawing/2014/main" val="2352134718"/>
                     </a:ext>
                   </a:extLst>
                 </a:gridCol>
                 <a:gridCol w="7848151">
                   <a:extLst>
                     <a:ext uri="{9D8B030D-6E8A-4147-A177-3AD203B41FA5}">
-                      <a16:colId xmlns:a16="http://schemas.microsoft.com/office/drawing/2014/main" xmlns="" val="3164436195"/>
+                      <a16:colId xmlns:a16="http://schemas.microsoft.com/office/drawing/2014/main" val="3164436195"/>
                     </a:ext>
                   </a:extLst>
                 </a:gridCol>
                 <a:gridCol w="1900717">
                   <a:extLst>
                     <a:ext uri="{9D8B030D-6E8A-4147-A177-3AD203B41FA5}">
-                      <a16:colId xmlns:a16="http://schemas.microsoft.com/office/drawing/2014/main" xmlns="" val="422164040"/>
+                      <a16:colId xmlns:a16="http://schemas.microsoft.com/office/drawing/2014/main" val="422164040"/>
                     </a:ext>
                   </a:extLst>
                 </a:gridCol>
@@ -40049,14 +39865,6 @@
                         </a:rPr>
                         <a:t>offline coupling</a:t>
                       </a:r>
-                      <a:r>
-                        <a:rPr lang="en-GB" sz="1600" b="0" dirty="0">
-                          <a:solidFill>
-                            <a:schemeClr val="tx1"/>
-                          </a:solidFill>
-                        </a:rPr>
-                        <a:t/>
-                      </a:r>
                       <a:br>
                         <a:rPr lang="en-GB" sz="1600" b="0" dirty="0">
                           <a:solidFill>
@@ -40078,15 +39886,7 @@
                             <a:schemeClr val="tx1"/>
                           </a:solidFill>
                         </a:rPr>
-                        <a:t>VILMA-PISM</a:t>
-                      </a:r>
-                      <a:r>
-                        <a:rPr lang="en-GB" sz="1600" b="0" dirty="0">
-                          <a:solidFill>
-                            <a:schemeClr val="tx1"/>
-                          </a:solidFill>
-                        </a:rPr>
-                        <a:t/>
+                        <a:t>VILMA-PISM (Ollie)</a:t>
                       </a:r>
                       <a:br>
                         <a:rPr lang="en-GB" sz="1600" b="0" dirty="0">
@@ -40233,14 +40033,6 @@
                         </a:rPr>
                         <a:t>Barbi</a:t>
                       </a:r>
-                      <a:r>
-                        <a:rPr lang="en-GB" sz="1600" b="0" dirty="0">
-                          <a:solidFill>
-                            <a:schemeClr val="tx1"/>
-                          </a:solidFill>
-                        </a:rPr>
-                        <a:t/>
-                      </a:r>
                       <a:br>
                         <a:rPr lang="en-GB" sz="1600" b="0" dirty="0">
                           <a:solidFill>
@@ -40293,14 +40085,6 @@
                           </a:solidFill>
                         </a:rPr>
                         <a:t>Gierz</a:t>
-                      </a:r>
-                      <a:r>
-                        <a:rPr lang="en-GB" sz="1600" b="0" dirty="0">
-                          <a:solidFill>
-                            <a:schemeClr val="tx1"/>
-                          </a:solidFill>
-                        </a:rPr>
-                        <a:t/>
                       </a:r>
                       <a:br>
                         <a:rPr lang="en-GB" sz="1600" b="0" dirty="0">
@@ -40384,7 +40168,7 @@
                 </a:tc>
                 <a:extLst>
                   <a:ext uri="{0D108BD9-81ED-4DB2-BD59-A6C34878D82A}">
-                    <a16:rowId xmlns:a16="http://schemas.microsoft.com/office/drawing/2014/main" xmlns="" val="2595504873"/>
+                    <a16:rowId xmlns:a16="http://schemas.microsoft.com/office/drawing/2014/main" val="2595504873"/>
                   </a:ext>
                 </a:extLst>
               </a:tr>
@@ -40397,7 +40181,7 @@
           <p:cNvPr id="8" name="Table 4">
             <a:extLst>
               <a:ext uri="{FF2B5EF4-FFF2-40B4-BE49-F238E27FC236}">
-                <a16:creationId xmlns:a16="http://schemas.microsoft.com/office/drawing/2014/main" xmlns="" id="{CFFB52C9-14BB-C781-81A9-99BB8BD40080}"/>
+                <a16:creationId xmlns:a16="http://schemas.microsoft.com/office/drawing/2014/main" id="{CFFB52C9-14BB-C781-81A9-99BB8BD40080}"/>
               </a:ext>
             </a:extLst>
           </p:cNvPr>
@@ -40420,21 +40204,21 @@
                 <a:gridCol w="1840379">
                   <a:extLst>
                     <a:ext uri="{9D8B030D-6E8A-4147-A177-3AD203B41FA5}">
-                      <a16:colId xmlns:a16="http://schemas.microsoft.com/office/drawing/2014/main" xmlns="" val="2352134718"/>
+                      <a16:colId xmlns:a16="http://schemas.microsoft.com/office/drawing/2014/main" val="2352134718"/>
                     </a:ext>
                   </a:extLst>
                 </a:gridCol>
                 <a:gridCol w="7848151">
                   <a:extLst>
                     <a:ext uri="{9D8B030D-6E8A-4147-A177-3AD203B41FA5}">
-                      <a16:colId xmlns:a16="http://schemas.microsoft.com/office/drawing/2014/main" xmlns="" val="3164436195"/>
+                      <a16:colId xmlns:a16="http://schemas.microsoft.com/office/drawing/2014/main" val="3164436195"/>
                     </a:ext>
                   </a:extLst>
                 </a:gridCol>
                 <a:gridCol w="1900717">
                   <a:extLst>
                     <a:ext uri="{9D8B030D-6E8A-4147-A177-3AD203B41FA5}">
-                      <a16:colId xmlns:a16="http://schemas.microsoft.com/office/drawing/2014/main" xmlns="" val="422164040"/>
+                      <a16:colId xmlns:a16="http://schemas.microsoft.com/office/drawing/2014/main" val="422164040"/>
                     </a:ext>
                   </a:extLst>
                 </a:gridCol>
@@ -40767,7 +40551,7 @@
                 </a:tc>
                 <a:extLst>
                   <a:ext uri="{0D108BD9-81ED-4DB2-BD59-A6C34878D82A}">
-                    <a16:rowId xmlns:a16="http://schemas.microsoft.com/office/drawing/2014/main" xmlns="" val="2388485096"/>
+                    <a16:rowId xmlns:a16="http://schemas.microsoft.com/office/drawing/2014/main" val="2388485096"/>
                   </a:ext>
                 </a:extLst>
               </a:tr>
@@ -40861,7 +40645,7 @@
           <p:cNvPr id="4" name="Table 4">
             <a:extLst>
               <a:ext uri="{FF2B5EF4-FFF2-40B4-BE49-F238E27FC236}">
-                <a16:creationId xmlns:a16="http://schemas.microsoft.com/office/drawing/2014/main" xmlns="" id="{20D35D03-D121-9498-2C51-A5A349E647E3}"/>
+                <a16:creationId xmlns:a16="http://schemas.microsoft.com/office/drawing/2014/main" id="{20D35D03-D121-9498-2C51-A5A349E647E3}"/>
               </a:ext>
             </a:extLst>
           </p:cNvPr>
@@ -40884,21 +40668,21 @@
                 <a:gridCol w="1840379">
                   <a:extLst>
                     <a:ext uri="{9D8B030D-6E8A-4147-A177-3AD203B41FA5}">
-                      <a16:colId xmlns:a16="http://schemas.microsoft.com/office/drawing/2014/main" xmlns="" val="2352134718"/>
+                      <a16:colId xmlns:a16="http://schemas.microsoft.com/office/drawing/2014/main" val="2352134718"/>
                     </a:ext>
                   </a:extLst>
                 </a:gridCol>
                 <a:gridCol w="7848151">
                   <a:extLst>
                     <a:ext uri="{9D8B030D-6E8A-4147-A177-3AD203B41FA5}">
-                      <a16:colId xmlns:a16="http://schemas.microsoft.com/office/drawing/2014/main" xmlns="" val="3164436195"/>
+                      <a16:colId xmlns:a16="http://schemas.microsoft.com/office/drawing/2014/main" val="3164436195"/>
                     </a:ext>
                   </a:extLst>
                 </a:gridCol>
                 <a:gridCol w="1900717">
                   <a:extLst>
                     <a:ext uri="{9D8B030D-6E8A-4147-A177-3AD203B41FA5}">
-                      <a16:colId xmlns:a16="http://schemas.microsoft.com/office/drawing/2014/main" xmlns="" val="422164040"/>
+                      <a16:colId xmlns:a16="http://schemas.microsoft.com/office/drawing/2014/main" val="422164040"/>
                     </a:ext>
                   </a:extLst>
                 </a:gridCol>
@@ -41082,7 +40866,7 @@
                 </a:tc>
                 <a:extLst>
                   <a:ext uri="{0D108BD9-81ED-4DB2-BD59-A6C34878D82A}">
-                    <a16:rowId xmlns:a16="http://schemas.microsoft.com/office/drawing/2014/main" xmlns="" val="3570632641"/>
+                    <a16:rowId xmlns:a16="http://schemas.microsoft.com/office/drawing/2014/main" val="3570632641"/>
                   </a:ext>
                 </a:extLst>
               </a:tr>
@@ -41095,7 +40879,7 @@
           <p:cNvPr id="5" name="TextBox 4">
             <a:extLst>
               <a:ext uri="{FF2B5EF4-FFF2-40B4-BE49-F238E27FC236}">
-                <a16:creationId xmlns:a16="http://schemas.microsoft.com/office/drawing/2014/main" xmlns="" id="{88301DF9-28A3-4B00-8591-B5926CDE80E7}"/>
+                <a16:creationId xmlns:a16="http://schemas.microsoft.com/office/drawing/2014/main" id="{88301DF9-28A3-4B00-8591-B5926CDE80E7}"/>
               </a:ext>
             </a:extLst>
           </p:cNvPr>
@@ -41136,7 +40920,7 @@
           <p:cNvPr id="6" name="TextBox 5">
             <a:extLst>
               <a:ext uri="{FF2B5EF4-FFF2-40B4-BE49-F238E27FC236}">
-                <a16:creationId xmlns:a16="http://schemas.microsoft.com/office/drawing/2014/main" xmlns="" id="{A1A58AFB-4019-4190-3951-5A0E14B40F76}"/>
+                <a16:creationId xmlns:a16="http://schemas.microsoft.com/office/drawing/2014/main" id="{A1A58AFB-4019-4190-3951-5A0E14B40F76}"/>
               </a:ext>
             </a:extLst>
           </p:cNvPr>
@@ -41197,18 +40981,9 @@
           <a:p>
             <a:pPr algn="ctr"/>
             <a:r>
-              <a:rPr lang="tr-TR" sz="1000" smtClean="0"/>
-              <a:t>8 </a:t>
-            </a:r>
-            <a:r>
               <a:rPr lang="tr-TR" sz="1000"/>
-              <a:t>/ </a:t>
-            </a:r>
-            <a:r>
-              <a:rPr lang="tr-TR" sz="1000" smtClean="0"/>
-              <a:t>22</a:t>
-            </a:r>
-            <a:endParaRPr lang="tr-TR" sz="1000"/>
+              <a:t>8 / 22</a:t>
+            </a:r>
           </a:p>
         </p:txBody>
       </p:sp>
@@ -41451,21 +41226,8 @@
             <a:pPr algn="ctr"/>
             <a:r>
               <a:rPr lang="tr-TR" sz="1000"/>
-              <a:t>9</a:t>
-            </a:r>
-            <a:r>
-              <a:rPr lang="tr-TR" sz="1000" smtClean="0"/>
-              <a:t> </a:t>
-            </a:r>
-            <a:r>
-              <a:rPr lang="tr-TR" sz="1000"/>
-              <a:t>/ </a:t>
-            </a:r>
-            <a:r>
-              <a:rPr lang="tr-TR" sz="1000" smtClean="0"/>
-              <a:t>22</a:t>
-            </a:r>
-            <a:endParaRPr lang="tr-TR" sz="1000"/>
+              <a:t>9 / 22</a:t>
+            </a:r>
           </a:p>
         </p:txBody>
       </p:sp>
